--- a/Day3 - MLIntro - DataAnalysis/day3.pptx
+++ b/Day3 - MLIntro - DataAnalysis/day3.pptx
@@ -221,7 +221,7 @@
           <a:p>
             <a:fld id="{BC279DE6-322E-471D-B12B-061FFDB782E9}" type="datetimeFigureOut">
               <a:rPr lang="tr-TR" smtClean="0"/>
-              <a:t>11.08.2025</a:t>
+              <a:t>13.08.2025</a:t>
             </a:fld>
             <a:endParaRPr lang="tr-TR"/>
           </a:p>
@@ -42908,7 +42908,7 @@
           <a:p>
             <a:fld id="{B1BF03E7-8901-4116-86F1-6CCBBB4996B2}" type="datetimeFigureOut">
               <a:rPr lang="tr-TR" smtClean="0"/>
-              <a:t>11.08.2025</a:t>
+              <a:t>13.08.2025</a:t>
             </a:fld>
             <a:endParaRPr lang="tr-TR"/>
           </a:p>
@@ -43078,7 +43078,7 @@
           <a:p>
             <a:fld id="{B1BF03E7-8901-4116-86F1-6CCBBB4996B2}" type="datetimeFigureOut">
               <a:rPr lang="tr-TR" smtClean="0"/>
-              <a:t>11.08.2025</a:t>
+              <a:t>13.08.2025</a:t>
             </a:fld>
             <a:endParaRPr lang="tr-TR"/>
           </a:p>
@@ -43325,7 +43325,7 @@
           <a:p>
             <a:fld id="{B1BF03E7-8901-4116-86F1-6CCBBB4996B2}" type="datetimeFigureOut">
               <a:rPr lang="tr-TR" smtClean="0"/>
-              <a:t>11.08.2025</a:t>
+              <a:t>13.08.2025</a:t>
             </a:fld>
             <a:endParaRPr lang="tr-TR"/>
           </a:p>
@@ -43617,7 +43617,7 @@
           <a:p>
             <a:fld id="{B1BF03E7-8901-4116-86F1-6CCBBB4996B2}" type="datetimeFigureOut">
               <a:rPr lang="tr-TR" smtClean="0"/>
-              <a:t>11.08.2025</a:t>
+              <a:t>13.08.2025</a:t>
             </a:fld>
             <a:endParaRPr lang="tr-TR"/>
           </a:p>
@@ -44061,7 +44061,7 @@
           <a:p>
             <a:fld id="{B1BF03E7-8901-4116-86F1-6CCBBB4996B2}" type="datetimeFigureOut">
               <a:rPr lang="tr-TR" smtClean="0"/>
-              <a:t>11.08.2025</a:t>
+              <a:t>13.08.2025</a:t>
             </a:fld>
             <a:endParaRPr lang="tr-TR"/>
           </a:p>
@@ -44179,7 +44179,7 @@
           <a:p>
             <a:fld id="{B1BF03E7-8901-4116-86F1-6CCBBB4996B2}" type="datetimeFigureOut">
               <a:rPr lang="tr-TR" smtClean="0"/>
-              <a:t>11.08.2025</a:t>
+              <a:t>13.08.2025</a:t>
             </a:fld>
             <a:endParaRPr lang="tr-TR"/>
           </a:p>
@@ -44274,7 +44274,7 @@
           <a:p>
             <a:fld id="{B1BF03E7-8901-4116-86F1-6CCBBB4996B2}" type="datetimeFigureOut">
               <a:rPr lang="tr-TR" smtClean="0"/>
-              <a:t>11.08.2025</a:t>
+              <a:t>13.08.2025</a:t>
             </a:fld>
             <a:endParaRPr lang="tr-TR"/>
           </a:p>
@@ -44553,7 +44553,7 @@
           <a:p>
             <a:fld id="{B1BF03E7-8901-4116-86F1-6CCBBB4996B2}" type="datetimeFigureOut">
               <a:rPr lang="tr-TR" smtClean="0"/>
-              <a:t>11.08.2025</a:t>
+              <a:t>13.08.2025</a:t>
             </a:fld>
             <a:endParaRPr lang="tr-TR"/>
           </a:p>
@@ -45123,7 +45123,7 @@
           <a:p>
             <a:fld id="{B1BF03E7-8901-4116-86F1-6CCBBB4996B2}" type="datetimeFigureOut">
               <a:rPr lang="tr-TR" smtClean="0"/>
-              <a:t>11.08.2025</a:t>
+              <a:t>13.08.2025</a:t>
             </a:fld>
             <a:endParaRPr lang="tr-TR"/>
           </a:p>
@@ -45399,7 +45399,7 @@
             <a:fld id="{B61BEF0D-F0BB-DE4B-95CE-6DB70DBA9567}" type="datetimeFigureOut">
               <a:rPr lang="en-US" smtClean="0"/>
               <a:pPr/>
-              <a:t>8/11/2025</a:t>
+              <a:t>8/13/2025</a:t>
             </a:fld>
             <a:endParaRPr lang="en-US" dirty="0"/>
           </a:p>
@@ -45596,7 +45596,7 @@
             <a:fld id="{B61BEF0D-F0BB-DE4B-95CE-6DB70DBA9567}" type="datetimeFigureOut">
               <a:rPr lang="en-US" smtClean="0"/>
               <a:pPr/>
-              <a:t>8/11/2025</a:t>
+              <a:t>8/13/2025</a:t>
             </a:fld>
             <a:endParaRPr lang="en-US" dirty="0"/>
           </a:p>
@@ -45872,7 +45872,7 @@
             <a:fld id="{B61BEF0D-F0BB-DE4B-95CE-6DB70DBA9567}" type="datetimeFigureOut">
               <a:rPr lang="en-US" smtClean="0"/>
               <a:pPr/>
-              <a:t>8/11/2025</a:t>
+              <a:t>8/13/2025</a:t>
             </a:fld>
             <a:endParaRPr lang="en-US" dirty="0"/>
           </a:p>
@@ -46215,7 +46215,7 @@
           <a:p>
             <a:fld id="{B1BF03E7-8901-4116-86F1-6CCBBB4996B2}" type="datetimeFigureOut">
               <a:rPr lang="tr-TR" smtClean="0"/>
-              <a:t>11.08.2025</a:t>
+              <a:t>13.08.2025</a:t>
             </a:fld>
             <a:endParaRPr lang="tr-TR"/>
           </a:p>
@@ -46839,7 +46839,7 @@
             <a:fld id="{B61BEF0D-F0BB-DE4B-95CE-6DB70DBA9567}" type="datetimeFigureOut">
               <a:rPr lang="en-US" smtClean="0"/>
               <a:pPr/>
-              <a:t>8/11/2025</a:t>
+              <a:t>8/13/2025</a:t>
             </a:fld>
             <a:endParaRPr lang="en-US" dirty="0"/>
           </a:p>
@@ -47702,7 +47702,7 @@
             <a:fld id="{B61BEF0D-F0BB-DE4B-95CE-6DB70DBA9567}" type="datetimeFigureOut">
               <a:rPr lang="en-US" smtClean="0"/>
               <a:pPr/>
-              <a:t>8/11/2025</a:t>
+              <a:t>8/13/2025</a:t>
             </a:fld>
             <a:endParaRPr lang="en-US" dirty="0"/>
           </a:p>
@@ -47874,7 +47874,7 @@
           <a:p>
             <a:fld id="{B1BF03E7-8901-4116-86F1-6CCBBB4996B2}" type="datetimeFigureOut">
               <a:rPr lang="tr-TR" smtClean="0"/>
-              <a:t>11.08.2025</a:t>
+              <a:t>13.08.2025</a:t>
             </a:fld>
             <a:endParaRPr lang="tr-TR"/>
           </a:p>
@@ -48054,7 +48054,7 @@
           <a:p>
             <a:fld id="{B1BF03E7-8901-4116-86F1-6CCBBB4996B2}" type="datetimeFigureOut">
               <a:rPr lang="tr-TR" smtClean="0"/>
-              <a:t>11.08.2025</a:t>
+              <a:t>13.08.2025</a:t>
             </a:fld>
             <a:endParaRPr lang="tr-TR"/>
           </a:p>
@@ -52505,7 +52505,7 @@
           <a:p>
             <a:fld id="{4AAD347D-5ACD-4C99-B74B-A9C85AD731AF}" type="datetimeFigureOut">
               <a:rPr lang="en-US" dirty="0"/>
-              <a:t>8/11/2025</a:t>
+              <a:t>8/13/2025</a:t>
             </a:fld>
             <a:endParaRPr lang="en-US" dirty="0"/>
           </a:p>
@@ -54879,7 +54879,7 @@
           <p:nvPr>
             <p:extLst>
               <p:ext uri="{D42A27DB-BD31-4B8C-83A1-F6EECF244321}">
-                <p14:modId xmlns:p14="http://schemas.microsoft.com/office/powerpoint/2010/main" val="1397093495"/>
+                <p14:modId xmlns:p14="http://schemas.microsoft.com/office/powerpoint/2010/main" val="1871399611"/>
               </p:ext>
             </p:extLst>
           </p:nvPr>
@@ -54997,7 +54997,7 @@
                     <a:p>
                       <a:r>
                         <a:rPr lang="tr-TR" dirty="0"/>
-                        <a:t>1</a:t>
+                        <a:t>0</a:t>
                       </a:r>
                     </a:p>
                   </a:txBody>
@@ -55429,7 +55429,15 @@
           <a:p>
             <a:r>
               <a:rPr lang="tr-TR" dirty="0"/>
-              <a:t>Mean Absolute Error (MSE) Nedir?</a:t>
+              <a:t>Mean Absolute Error </a:t>
+            </a:r>
+            <a:r>
+              <a:rPr lang="tr-TR"/>
+              <a:t>(MAE</a:t>
+            </a:r>
+            <a:r>
+              <a:rPr lang="tr-TR" dirty="0"/>
+              <a:t>) Nedir?</a:t>
             </a:r>
           </a:p>
           <a:p>
